--- a/zipping_cartoon.pptx
+++ b/zipping_cartoon.pptx
@@ -243,7 +243,7 @@
           <a:p>
             <a:fld id="{98FAFBFB-95A6-4597-9458-E7F1B2A86473}" type="datetimeFigureOut">
               <a:rPr lang="en-US" smtClean="0"/>
-              <a:t>5/22/2019</a:t>
+              <a:t>8/22/2019</a:t>
             </a:fld>
             <a:endParaRPr lang="en-US"/>
           </a:p>
@@ -413,7 +413,7 @@
           <a:p>
             <a:fld id="{98FAFBFB-95A6-4597-9458-E7F1B2A86473}" type="datetimeFigureOut">
               <a:rPr lang="en-US" smtClean="0"/>
-              <a:t>5/22/2019</a:t>
+              <a:t>8/22/2019</a:t>
             </a:fld>
             <a:endParaRPr lang="en-US"/>
           </a:p>
@@ -593,7 +593,7 @@
           <a:p>
             <a:fld id="{98FAFBFB-95A6-4597-9458-E7F1B2A86473}" type="datetimeFigureOut">
               <a:rPr lang="en-US" smtClean="0"/>
-              <a:t>5/22/2019</a:t>
+              <a:t>8/22/2019</a:t>
             </a:fld>
             <a:endParaRPr lang="en-US"/>
           </a:p>
@@ -763,7 +763,7 @@
           <a:p>
             <a:fld id="{98FAFBFB-95A6-4597-9458-E7F1B2A86473}" type="datetimeFigureOut">
               <a:rPr lang="en-US" smtClean="0"/>
-              <a:t>5/22/2019</a:t>
+              <a:t>8/22/2019</a:t>
             </a:fld>
             <a:endParaRPr lang="en-US"/>
           </a:p>
@@ -1007,7 +1007,7 @@
           <a:p>
             <a:fld id="{98FAFBFB-95A6-4597-9458-E7F1B2A86473}" type="datetimeFigureOut">
               <a:rPr lang="en-US" smtClean="0"/>
-              <a:t>5/22/2019</a:t>
+              <a:t>8/22/2019</a:t>
             </a:fld>
             <a:endParaRPr lang="en-US"/>
           </a:p>
@@ -1239,7 +1239,7 @@
           <a:p>
             <a:fld id="{98FAFBFB-95A6-4597-9458-E7F1B2A86473}" type="datetimeFigureOut">
               <a:rPr lang="en-US" smtClean="0"/>
-              <a:t>5/22/2019</a:t>
+              <a:t>8/22/2019</a:t>
             </a:fld>
             <a:endParaRPr lang="en-US"/>
           </a:p>
@@ -1606,7 +1606,7 @@
           <a:p>
             <a:fld id="{98FAFBFB-95A6-4597-9458-E7F1B2A86473}" type="datetimeFigureOut">
               <a:rPr lang="en-US" smtClean="0"/>
-              <a:t>5/22/2019</a:t>
+              <a:t>8/22/2019</a:t>
             </a:fld>
             <a:endParaRPr lang="en-US"/>
           </a:p>
@@ -1724,7 +1724,7 @@
           <a:p>
             <a:fld id="{98FAFBFB-95A6-4597-9458-E7F1B2A86473}" type="datetimeFigureOut">
               <a:rPr lang="en-US" smtClean="0"/>
-              <a:t>5/22/2019</a:t>
+              <a:t>8/22/2019</a:t>
             </a:fld>
             <a:endParaRPr lang="en-US"/>
           </a:p>
@@ -1819,7 +1819,7 @@
           <a:p>
             <a:fld id="{98FAFBFB-95A6-4597-9458-E7F1B2A86473}" type="datetimeFigureOut">
               <a:rPr lang="en-US" smtClean="0"/>
-              <a:t>5/22/2019</a:t>
+              <a:t>8/22/2019</a:t>
             </a:fld>
             <a:endParaRPr lang="en-US"/>
           </a:p>
@@ -2096,7 +2096,7 @@
           <a:p>
             <a:fld id="{98FAFBFB-95A6-4597-9458-E7F1B2A86473}" type="datetimeFigureOut">
               <a:rPr lang="en-US" smtClean="0"/>
-              <a:t>5/22/2019</a:t>
+              <a:t>8/22/2019</a:t>
             </a:fld>
             <a:endParaRPr lang="en-US"/>
           </a:p>
@@ -2353,7 +2353,7 @@
           <a:p>
             <a:fld id="{98FAFBFB-95A6-4597-9458-E7F1B2A86473}" type="datetimeFigureOut">
               <a:rPr lang="en-US" smtClean="0"/>
-              <a:t>5/22/2019</a:t>
+              <a:t>8/22/2019</a:t>
             </a:fld>
             <a:endParaRPr lang="en-US"/>
           </a:p>
@@ -2566,7 +2566,7 @@
           <a:p>
             <a:fld id="{98FAFBFB-95A6-4597-9458-E7F1B2A86473}" type="datetimeFigureOut">
               <a:rPr lang="en-US" smtClean="0"/>
-              <a:t>5/22/2019</a:t>
+              <a:t>8/22/2019</a:t>
             </a:fld>
             <a:endParaRPr lang="en-US"/>
           </a:p>
@@ -2985,10 +2985,10 @@
         </p:nvGrpSpPr>
         <p:grpSpPr>
           <a:xfrm>
-            <a:off x="291574" y="52334"/>
-            <a:ext cx="5755016" cy="7326296"/>
-            <a:chOff x="291574" y="52334"/>
-            <a:chExt cx="5755016" cy="7326296"/>
+            <a:off x="242440" y="52334"/>
+            <a:ext cx="5804150" cy="7326296"/>
+            <a:chOff x="242440" y="52334"/>
+            <a:chExt cx="5804150" cy="7326296"/>
           </a:xfrm>
         </p:grpSpPr>
         <p:cxnSp>
@@ -7837,8 +7837,8 @@
             </a:fontRef>
           </p:style>
         </p:cxnSp>
-        <mc:AlternateContent xmlns:mc="http://schemas.openxmlformats.org/markup-compatibility/2006" xmlns:a14="http://schemas.microsoft.com/office/drawing/2010/main">
-          <mc:Choice Requires="a14">
+        <mc:AlternateContent xmlns:mc="http://schemas.openxmlformats.org/markup-compatibility/2006">
+          <mc:Choice xmlns:a14="http://schemas.microsoft.com/office/drawing/2010/main" Requires="a14">
             <p:sp>
               <p:nvSpPr>
                 <p:cNvPr id="301" name="TextBox 300">
@@ -7853,8 +7853,8 @@
               </p:nvSpPr>
               <p:spPr>
                 <a:xfrm>
-                  <a:off x="291574" y="3552659"/>
-                  <a:ext cx="815287" cy="646331"/>
+                  <a:off x="242440" y="4574315"/>
+                  <a:ext cx="2031262" cy="646331"/>
                 </a:xfrm>
                 <a:prstGeom prst="rect">
                   <a:avLst/>
@@ -7869,34 +7869,32 @@
                 <a:p>
                   <a:pPr/>
                   <a14:m>
-                    <m:oMathPara xmlns:m="http://schemas.openxmlformats.org/officeDocument/2006/math">
-                      <m:oMathParaPr>
-                        <m:jc m:val="centerGroup"/>
-                      </m:oMathParaPr>
-                      <m:oMath xmlns:m="http://schemas.openxmlformats.org/officeDocument/2006/math">
-                        <m:r>
-                          <a:rPr lang="en-US" b="0" i="1" smtClean="0">
-                            <a:latin typeface="Cambria Math" panose="02040503050406030204" pitchFamily="18" charset="0"/>
-                          </a:rPr>
-                          <m:t>𝑆</m:t>
-                        </m:r>
-                        <m:r>
-                          <a:rPr lang="en-US" b="0" i="1" smtClean="0">
-                            <a:latin typeface="Cambria Math" panose="02040503050406030204" pitchFamily="18" charset="0"/>
-                          </a:rPr>
-                          <m:t>=2</m:t>
-                        </m:r>
-                      </m:oMath>
-                    </m:oMathPara>
+                    <m:oMath xmlns:m="http://schemas.openxmlformats.org/officeDocument/2006/math">
+                      <m:r>
+                        <a:rPr lang="en-US" b="0" i="1" smtClean="0">
+                          <a:latin typeface="Cambria Math" panose="02040503050406030204" pitchFamily="18" charset="0"/>
+                        </a:rPr>
+                        <m:t>𝑆</m:t>
+                      </m:r>
+                      <m:r>
+                        <a:rPr lang="en-US" b="0" i="1" smtClean="0">
+                          <a:latin typeface="Cambria Math" panose="02040503050406030204" pitchFamily="18" charset="0"/>
+                        </a:rPr>
+                        <m:t>=0</m:t>
+                      </m:r>
+                    </m:oMath>
                   </a14:m>
-                  <a:endParaRPr lang="en-US" dirty="0"/>
+                  <a:r>
+                    <a:rPr lang="en-US" dirty="0"/>
+                    <a:t> (fragmented)</a:t>
+                  </a:r>
                 </a:p>
                 <a:p>
                   <a:pPr/>
                   <a14:m>
                     <m:oMathPara xmlns:m="http://schemas.openxmlformats.org/officeDocument/2006/math">
                       <m:oMathParaPr>
-                        <m:jc m:val="centerGroup"/>
+                        <m:jc m:val="left"/>
                       </m:oMathParaPr>
                       <m:oMath xmlns:m="http://schemas.openxmlformats.org/officeDocument/2006/math">
                         <m:r>
@@ -7919,7 +7917,7 @@
               </p:txBody>
             </p:sp>
           </mc:Choice>
-          <mc:Fallback xmlns="">
+          <mc:Fallback>
             <p:sp>
               <p:nvSpPr>
                 <p:cNvPr id="301" name="TextBox 300">
@@ -7936,8 +7934,8 @@
               </p:nvSpPr>
               <p:spPr>
                 <a:xfrm>
-                  <a:off x="291574" y="3552659"/>
-                  <a:ext cx="815287" cy="646331"/>
+                  <a:off x="242440" y="4574315"/>
+                  <a:ext cx="2031262" cy="646331"/>
                 </a:xfrm>
                 <a:prstGeom prst="rect">
                   <a:avLst/>
@@ -7945,7 +7943,7 @@
                 <a:blipFill>
                   <a:blip r:embed="rId2"/>
                   <a:stretch>
-                    <a:fillRect/>
+                    <a:fillRect t="-4717" r="-2402"/>
                   </a:stretch>
                 </a:blipFill>
               </p:spPr>
@@ -8645,8 +8643,8 @@
             </a:p>
           </p:txBody>
         </p:sp>
-        <mc:AlternateContent xmlns:mc="http://schemas.openxmlformats.org/markup-compatibility/2006">
-          <mc:Choice xmlns:a14="http://schemas.microsoft.com/office/drawing/2010/main" Requires="a14">
+        <mc:AlternateContent xmlns:mc="http://schemas.openxmlformats.org/markup-compatibility/2006" xmlns:a14="http://schemas.microsoft.com/office/drawing/2010/main">
+          <mc:Choice Requires="a14">
             <p:sp>
               <p:nvSpPr>
                 <p:cNvPr id="314" name="TextBox 313">
@@ -8727,7 +8725,7 @@
               </p:txBody>
             </p:sp>
           </mc:Choice>
-          <mc:Fallback>
+          <mc:Fallback xmlns="">
             <p:sp>
               <p:nvSpPr>
                 <p:cNvPr id="314" name="TextBox 313">
